--- a/Nuclear_Fuel_Performance/NE533_Spring2024/paper_project.pptx
+++ b/Nuclear_Fuel_Performance/NE533_Spring2024/paper_project.pptx
@@ -5,7 +5,7 @@
     <p:sldMasterId id="2147483660" r:id="rId1"/>
   </p:sldMasterIdLst>
   <p:sldIdLst>
-    <p:sldId id="435" r:id="rId2"/>
+    <p:sldId id="563" r:id="rId2"/>
   </p:sldIdLst>
   <p:sldSz cx="12192000" cy="6858000"/>
   <p:notesSz cx="6858000" cy="9144000"/>
@@ -104,6 +104,11 @@
       </a:defRPr>
     </a:lvl9pPr>
   </p:defaultTextStyle>
+  <p:extLst>
+    <p:ext uri="{EFAFB233-063F-42B5-8137-9DF3F51BA10A}">
+      <p15:sldGuideLst xmlns:p15="http://schemas.microsoft.com/office/powerpoint/2012/main"/>
+    </p:ext>
+  </p:extLst>
 </p:presentation>
 </file>
 
@@ -295,7 +300,7 @@
             </a:pPr>
             <a:fld id="{D6F3A803-A045-354B-887A-01433CE46FC2}" type="datetime1">
               <a:rPr lang="en-US" smtClean="0"/>
-              <a:t>1/17/23</a:t>
+              <a:t>2/15/24</a:t>
             </a:fld>
             <a:endParaRPr lang="en-US"/>
           </a:p>
@@ -488,7 +493,7 @@
             </a:pPr>
             <a:fld id="{A8B33C1D-C2E2-1049-AA3F-CD6E91052752}" type="datetime1">
               <a:rPr lang="en-US" smtClean="0"/>
-              <a:t>1/17/23</a:t>
+              <a:t>2/15/24</a:t>
             </a:fld>
             <a:endParaRPr lang="en-US"/>
           </a:p>
@@ -690,7 +695,7 @@
             </a:pPr>
             <a:fld id="{2791AD68-B60C-4542-BDDD-2074DE6DE828}" type="datetime1">
               <a:rPr lang="en-US" smtClean="0"/>
-              <a:t>1/17/23</a:t>
+              <a:t>2/15/24</a:t>
             </a:fld>
             <a:endParaRPr lang="en-US"/>
           </a:p>
@@ -889,7 +894,7 @@
             </a:pPr>
             <a:fld id="{C5BD04BF-9DC2-6341-92B2-BD109A2EF3B1}" type="datetime1">
               <a:rPr lang="en-US" smtClean="0"/>
-              <a:t>1/17/23</a:t>
+              <a:t>2/15/24</a:t>
             </a:fld>
             <a:endParaRPr lang="en-US"/>
           </a:p>
@@ -1159,7 +1164,7 @@
             </a:pPr>
             <a:fld id="{FB0FFBC7-3028-644D-986B-D9855CB74B38}" type="datetime1">
               <a:rPr lang="en-US" smtClean="0"/>
-              <a:t>1/17/23</a:t>
+              <a:t>2/15/24</a:t>
             </a:fld>
             <a:endParaRPr lang="en-US"/>
           </a:p>
@@ -1470,7 +1475,7 @@
             </a:pPr>
             <a:fld id="{2C3B8AE4-01F5-CC42-9C62-61BC6528368B}" type="datetime1">
               <a:rPr lang="en-US" smtClean="0"/>
-              <a:t>1/17/23</a:t>
+              <a:t>2/15/24</a:t>
             </a:fld>
             <a:endParaRPr lang="en-US"/>
           </a:p>
@@ -1913,7 +1918,7 @@
             </a:pPr>
             <a:fld id="{77E49314-4A78-2444-9569-44EB70168344}" type="datetime1">
               <a:rPr lang="en-US" smtClean="0"/>
-              <a:t>1/17/23</a:t>
+              <a:t>2/15/24</a:t>
             </a:fld>
             <a:endParaRPr lang="en-US"/>
           </a:p>
@@ -2054,7 +2059,7 @@
             </a:pPr>
             <a:fld id="{5BC22837-4683-B242-B000-BCEE30621787}" type="datetime1">
               <a:rPr lang="en-US" smtClean="0"/>
-              <a:t>1/17/23</a:t>
+              <a:t>2/15/24</a:t>
             </a:fld>
             <a:endParaRPr lang="en-US"/>
           </a:p>
@@ -2173,7 +2178,7 @@
             </a:pPr>
             <a:fld id="{DCDAE926-7EF1-0B40-B57E-417D188A609C}" type="datetime1">
               <a:rPr lang="en-US" smtClean="0"/>
-              <a:t>1/17/23</a:t>
+              <a:t>2/15/24</a:t>
             </a:fld>
             <a:endParaRPr lang="en-US"/>
           </a:p>
@@ -2472,7 +2477,7 @@
             </a:pPr>
             <a:fld id="{518D107B-B9C7-5B41-A168-55258AB95F52}" type="datetime1">
               <a:rPr lang="en-US" smtClean="0"/>
-              <a:t>1/17/23</a:t>
+              <a:t>2/15/24</a:t>
             </a:fld>
             <a:endParaRPr lang="en-US"/>
           </a:p>
@@ -2756,7 +2761,7 @@
             </a:pPr>
             <a:fld id="{3AD92D36-EE82-3142-B011-9831FB5E702F}" type="datetime1">
               <a:rPr lang="en-US" smtClean="0"/>
-              <a:t>1/17/23</a:t>
+              <a:t>2/15/24</a:t>
             </a:fld>
             <a:endParaRPr lang="en-US"/>
           </a:p>
@@ -2897,7 +2902,7 @@
               </a14:hiddenLine>
             </a:ext>
             <a:ext uri="{FAA26D3D-D897-4be2-8F04-BA451C77F1D7}">
-              <ma14:placeholderFlag xmlns="" xmlns:ma14="http://schemas.microsoft.com/office/mac/drawingml/2011/main" val="1"/>
+              <ma14:placeholderFlag xmlns:ma14="http://schemas.microsoft.com/office/mac/drawingml/2011/main" xmlns="" val="1"/>
             </a:ext>
           </a:extLst>
         </p:spPr>
@@ -2965,7 +2970,7 @@
               </a14:hiddenLine>
             </a:ext>
             <a:ext uri="{FAA26D3D-D897-4be2-8F04-BA451C77F1D7}">
-              <ma14:placeholderFlag xmlns="" xmlns:ma14="http://schemas.microsoft.com/office/mac/drawingml/2011/main" val="1"/>
+              <ma14:placeholderFlag xmlns:ma14="http://schemas.microsoft.com/office/mac/drawingml/2011/main" xmlns="" val="1"/>
             </a:ext>
           </a:extLst>
         </p:spPr>
@@ -3061,7 +3066,7 @@
             </a:pPr>
             <a:fld id="{3EE08B4B-7256-494F-A90D-3891BD685F4A}" type="datetime1">
               <a:rPr lang="en-US" smtClean="0"/>
-              <a:t>1/17/23</a:t>
+              <a:t>2/15/24</a:t>
             </a:fld>
             <a:endParaRPr lang="en-US" dirty="0"/>
           </a:p>
@@ -3636,7 +3641,7 @@
           <p:cNvPr id="2" name="Title 1">
             <a:extLst>
               <a:ext uri="{FF2B5EF4-FFF2-40B4-BE49-F238E27FC236}">
-                <a16:creationId xmlns:a16="http://schemas.microsoft.com/office/drawing/2014/main" id="{31F87779-EE1B-9747-916C-6AC5676EE933}"/>
+                <a16:creationId xmlns:a16="http://schemas.microsoft.com/office/drawing/2014/main" id="{9E79B745-AE64-910E-F35B-AA9715713BE5}"/>
               </a:ext>
             </a:extLst>
           </p:cNvPr>
@@ -3654,7 +3659,7 @@
           <a:p>
             <a:r>
               <a:rPr lang="en-US" dirty="0"/>
-              <a:t>Paper Project</a:t>
+              <a:t>Paper Project Assignment</a:t>
             </a:r>
           </a:p>
         </p:txBody>
@@ -3664,7 +3669,7 @@
           <p:cNvPr id="3" name="Content Placeholder 2">
             <a:extLst>
               <a:ext uri="{FF2B5EF4-FFF2-40B4-BE49-F238E27FC236}">
-                <a16:creationId xmlns:a16="http://schemas.microsoft.com/office/drawing/2014/main" id="{E83932E2-D9AC-254B-B0BC-313C3890BD99}"/>
+                <a16:creationId xmlns:a16="http://schemas.microsoft.com/office/drawing/2014/main" id="{4ABC7A7E-1BA0-6E57-9F62-DD920CC90484}"/>
               </a:ext>
             </a:extLst>
           </p:cNvPr>
@@ -3672,7 +3677,7 @@
             <a:spLocks noGrp="1"/>
           </p:cNvSpPr>
           <p:nvPr>
-            <p:ph sz="half" idx="1"/>
+            <p:ph idx="1"/>
           </p:nvPr>
         </p:nvSpPr>
         <p:spPr/>
@@ -3682,7 +3687,15 @@
           <a:p>
             <a:r>
               <a:rPr lang="en-US" sz="2000" dirty="0"/>
-              <a:t>Each of you will receive an email with a paper attached by the end of this week</a:t>
+              <a:t>Assigned papers uploaded to </a:t>
+            </a:r>
+            <a:r>
+              <a:rPr lang="en-US" sz="2000" dirty="0" err="1"/>
+              <a:t>moodle</a:t>
+            </a:r>
+            <a:r>
+              <a:rPr lang="en-US" sz="2000" dirty="0"/>
+              <a:t> with your name as a prefix</a:t>
             </a:r>
           </a:p>
           <a:p>
@@ -3700,23 +3713,40 @@
           <a:p>
             <a:r>
               <a:rPr lang="en-US" sz="2000" dirty="0"/>
-              <a:t>Presentations will take place in class on Feb. 15</a:t>
+              <a:t>All presentations will be submitted via </a:t>
+            </a:r>
+            <a:r>
+              <a:rPr lang="en-US" sz="2000" dirty="0" err="1"/>
+              <a:t>moodle</a:t>
+            </a:r>
+            <a:r>
+              <a:rPr lang="en-US" sz="2000" dirty="0"/>
+              <a:t>, due by end of the day on Mar. 20</a:t>
+            </a:r>
+          </a:p>
+          <a:p>
+            <a:r>
+              <a:rPr lang="en-US" sz="2000" dirty="0"/>
+              <a:t>Presentations will take place in-class on Mar. 21 and Mar. 26</a:t>
+            </a:r>
+          </a:p>
+          <a:p>
+            <a:r>
+              <a:rPr lang="en-US" sz="2000" dirty="0"/>
+              <a:t>If you have a specific paper that you would like to review and applies to this topic field, present it to me and I will consider it</a:t>
             </a:r>
           </a:p>
           <a:p>
             <a:endParaRPr lang="en-US" sz="2000" dirty="0"/>
           </a:p>
-          <a:p>
-            <a:endParaRPr lang="en-US" sz="2000" dirty="0"/>
-          </a:p>
-        </p:txBody>
-      </p:sp>
-      <p:sp>
-        <p:nvSpPr>
-          <p:cNvPr id="4" name="Content Placeholder 3">
+        </p:txBody>
+      </p:sp>
+      <p:sp>
+        <p:nvSpPr>
+          <p:cNvPr id="4" name="Slide Number Placeholder 3">
             <a:extLst>
               <a:ext uri="{FF2B5EF4-FFF2-40B4-BE49-F238E27FC236}">
-                <a16:creationId xmlns:a16="http://schemas.microsoft.com/office/drawing/2014/main" id="{EEE40D5E-9BC0-204C-A149-012EDCF138E9}"/>
+                <a16:creationId xmlns:a16="http://schemas.microsoft.com/office/drawing/2014/main" id="{7BFB001D-D207-416C-C057-9E0C24D887DA}"/>
               </a:ext>
             </a:extLst>
           </p:cNvPr>
@@ -3724,7 +3754,7 @@
             <a:spLocks noGrp="1"/>
           </p:cNvSpPr>
           <p:nvPr>
-            <p:ph sz="half" idx="2"/>
+            <p:ph type="sldNum" sz="quarter" idx="12"/>
           </p:nvPr>
         </p:nvSpPr>
         <p:spPr/>
@@ -3732,139 +3762,24 @@
           <a:bodyPr/>
           <a:lstStyle/>
           <a:p>
-            <a:r>
-              <a:rPr lang="en-US" sz="2000" dirty="0"/>
-              <a:t>All presentations will be submitted via </a:t>
-            </a:r>
-            <a:r>
-              <a:rPr lang="en-US" sz="2000" dirty="0" err="1"/>
-              <a:t>moodle</a:t>
-            </a:r>
-            <a:endParaRPr lang="en-US" sz="2000" dirty="0"/>
-          </a:p>
-          <a:p>
-            <a:r>
-              <a:rPr lang="en-US" sz="2000" dirty="0"/>
-              <a:t>Distance students will also submit a recording of their presentation for review</a:t>
-            </a:r>
-          </a:p>
-          <a:p>
-            <a:r>
-              <a:rPr lang="en-US" sz="2000" dirty="0"/>
-              <a:t>If in person students prefer to submit recorded lectures, notify me</a:t>
-            </a:r>
-          </a:p>
-          <a:p>
-            <a:r>
-              <a:rPr lang="en-US" sz="2000" dirty="0"/>
-              <a:t>All submissions due by end of the day on Feb. 15</a:t>
-            </a:r>
-          </a:p>
-          <a:p>
-            <a:r>
-              <a:rPr lang="en-US" sz="2000" dirty="0"/>
-              <a:t>If you have a specific paper that you would like to review and applies to this topic field, present it to me and I will consider it</a:t>
-            </a:r>
-          </a:p>
-        </p:txBody>
-      </p:sp>
-      <p:sp>
-        <p:nvSpPr>
-          <p:cNvPr id="5" name="Slide Number Placeholder 4">
-            <a:extLst>
-              <a:ext uri="{FF2B5EF4-FFF2-40B4-BE49-F238E27FC236}">
-                <a16:creationId xmlns:a16="http://schemas.microsoft.com/office/drawing/2014/main" id="{D39457F3-6D33-6B40-B97F-E8F8BD141CC1}"/>
-              </a:ext>
-            </a:extLst>
-          </p:cNvPr>
-          <p:cNvSpPr>
-            <a:spLocks noGrp="1"/>
-          </p:cNvSpPr>
-          <p:nvPr>
-            <p:ph type="sldNum" sz="quarter" idx="12"/>
-          </p:nvPr>
-        </p:nvSpPr>
-        <p:spPr/>
-        <p:txBody>
-          <a:bodyPr/>
-          <a:lstStyle/>
-          <a:p>
-            <a:pPr marL="0" marR="0" lvl="0" indent="0" algn="r" defTabSz="914400" rtl="0" eaLnBrk="1" fontAlgn="auto" latinLnBrk="0" hangingPunct="1">
-              <a:lnSpc>
-                <a:spcPct val="100000"/>
-              </a:lnSpc>
-              <a:spcBef>
-                <a:spcPts val="0"/>
-              </a:spcBef>
-              <a:spcAft>
-                <a:spcPts val="0"/>
-              </a:spcAft>
-              <a:buClrTx/>
-              <a:buSzTx/>
-              <a:buFontTx/>
-              <a:buNone/>
-              <a:tabLst/>
+            <a:pPr>
               <a:defRPr/>
             </a:pPr>
-            <a:fld id="{EC35E9FC-F6D5-0349-BBED-EA7D7A9BC49B}" type="slidenum">
-              <a:rPr kumimoji="0" lang="en-US" sz="1200" b="0" i="0" u="none" strike="noStrike" kern="1200" cap="none" spc="0" normalizeH="0" baseline="0" noProof="0" smtClean="0">
-                <a:ln>
-                  <a:noFill/>
-                </a:ln>
-                <a:solidFill>
-                  <a:prstClr val="black">
-                    <a:tint val="75000"/>
-                  </a:prstClr>
-                </a:solidFill>
-                <a:effectLst/>
-                <a:uLnTx/>
-                <a:uFillTx/>
-                <a:latin typeface="Calibri"/>
-                <a:ea typeface="+mn-ea"/>
-                <a:cs typeface="+mn-cs"/>
-              </a:rPr>
-              <a:pPr marL="0" marR="0" lvl="0" indent="0" algn="r" defTabSz="914400" rtl="0" eaLnBrk="1" fontAlgn="auto" latinLnBrk="0" hangingPunct="1">
-                <a:lnSpc>
-                  <a:spcPct val="100000"/>
-                </a:lnSpc>
-                <a:spcBef>
-                  <a:spcPts val="0"/>
-                </a:spcBef>
-                <a:spcAft>
-                  <a:spcPts val="0"/>
-                </a:spcAft>
-                <a:buClrTx/>
-                <a:buSzTx/>
-                <a:buFontTx/>
-                <a:buNone/>
-                <a:tabLst/>
+            <a:fld id="{3FF2C605-4958-CF43-AA48-80339EFDB0AF}" type="slidenum">
+              <a:rPr lang="en-US" smtClean="0"/>
+              <a:pPr>
                 <a:defRPr/>
               </a:pPr>
               <a:t>1</a:t>
             </a:fld>
-            <a:endParaRPr kumimoji="0" lang="en-US" sz="1200" b="0" i="0" u="none" strike="noStrike" kern="1200" cap="none" spc="0" normalizeH="0" baseline="0" noProof="0">
-              <a:ln>
-                <a:noFill/>
-              </a:ln>
-              <a:solidFill>
-                <a:prstClr val="black">
-                  <a:tint val="75000"/>
-                </a:prstClr>
-              </a:solidFill>
-              <a:effectLst/>
-              <a:uLnTx/>
-              <a:uFillTx/>
-              <a:latin typeface="Calibri"/>
-              <a:ea typeface="+mn-ea"/>
-              <a:cs typeface="+mn-cs"/>
-            </a:endParaRPr>
+            <a:endParaRPr lang="en-US"/>
           </a:p>
         </p:txBody>
       </p:sp>
     </p:spTree>
     <p:extLst>
       <p:ext uri="{BB962C8B-B14F-4D97-AF65-F5344CB8AC3E}">
-        <p14:creationId xmlns:p14="http://schemas.microsoft.com/office/powerpoint/2010/main" val="3452990598"/>
+        <p14:creationId xmlns:p14="http://schemas.microsoft.com/office/powerpoint/2010/main" val="3347959970"/>
       </p:ext>
     </p:extLst>
   </p:cSld>
